--- a/Python basics/03-Python - Control flow.pptx
+++ b/Python basics/03-Python - Control flow.pptx
@@ -12,12 +12,12 @@
     <p:sldId id="299" r:id="rId3"/>
     <p:sldId id="440" r:id="rId4"/>
     <p:sldId id="455" r:id="rId5"/>
-    <p:sldId id="456" r:id="rId6"/>
-    <p:sldId id="457" r:id="rId7"/>
-    <p:sldId id="458" r:id="rId8"/>
+    <p:sldId id="476" r:id="rId6"/>
+    <p:sldId id="477" r:id="rId7"/>
+    <p:sldId id="478" r:id="rId8"/>
     <p:sldId id="441" r:id="rId9"/>
     <p:sldId id="459" r:id="rId10"/>
-    <p:sldId id="460" r:id="rId11"/>
+    <p:sldId id="479" r:id="rId11"/>
     <p:sldId id="454" r:id="rId12"/>
     <p:sldId id="461" r:id="rId13"/>
     <p:sldId id="462" r:id="rId14"/>
@@ -232,7 +232,7 @@
           <a:p>
             <a:fld id="{9597353C-2671-4BBB-AC1F-14988F73AE8E}" type="datetimeFigureOut">
               <a:rPr lang="en-CA" smtClean="0"/>
-              <a:t>2019-08-29</a:t>
+              <a:t>2019-10-16</a:t>
             </a:fld>
             <a:endParaRPr lang="en-CA" dirty="0"/>
           </a:p>
@@ -658,7 +658,7 @@
     </p:spTree>
     <p:extLst>
       <p:ext uri="{BB962C8B-B14F-4D97-AF65-F5344CB8AC3E}">
-        <p14:creationId xmlns:p14="http://schemas.microsoft.com/office/powerpoint/2010/main" val="2345115008"/>
+        <p14:creationId xmlns:p14="http://schemas.microsoft.com/office/powerpoint/2010/main" val="3885976229"/>
       </p:ext>
     </p:extLst>
   </p:cSld>
@@ -2868,6 +2868,9 @@
             </a:r>
             <a:endParaRPr lang="en-CA" dirty="0"/>
           </a:p>
+          <a:p>
+            <a:endParaRPr lang="en-CA" dirty="0"/>
+          </a:p>
         </p:txBody>
       </p:sp>
       <p:sp>
@@ -2896,7 +2899,7 @@
     </p:spTree>
     <p:extLst>
       <p:ext uri="{BB962C8B-B14F-4D97-AF65-F5344CB8AC3E}">
-        <p14:creationId xmlns:p14="http://schemas.microsoft.com/office/powerpoint/2010/main" val="2990415248"/>
+        <p14:creationId xmlns:p14="http://schemas.microsoft.com/office/powerpoint/2010/main" val="1128597282"/>
       </p:ext>
     </p:extLst>
   </p:cSld>
@@ -2967,6 +2970,9 @@
               <a:t>  print(fruit) </a:t>
             </a:r>
           </a:p>
+          <a:p>
+            <a:endParaRPr lang="en-CA" dirty="0"/>
+          </a:p>
         </p:txBody>
       </p:sp>
       <p:sp>
@@ -2995,7 +3001,7 @@
     </p:spTree>
     <p:extLst>
       <p:ext uri="{BB962C8B-B14F-4D97-AF65-F5344CB8AC3E}">
-        <p14:creationId xmlns:p14="http://schemas.microsoft.com/office/powerpoint/2010/main" val="1315882249"/>
+        <p14:creationId xmlns:p14="http://schemas.microsoft.com/office/powerpoint/2010/main" val="3611133123"/>
       </p:ext>
     </p:extLst>
   </p:cSld>
@@ -3079,7 +3085,7 @@
     </p:spTree>
     <p:extLst>
       <p:ext uri="{BB962C8B-B14F-4D97-AF65-F5344CB8AC3E}">
-        <p14:creationId xmlns:p14="http://schemas.microsoft.com/office/powerpoint/2010/main" val="3113467107"/>
+        <p14:creationId xmlns:p14="http://schemas.microsoft.com/office/powerpoint/2010/main" val="152007750"/>
       </p:ext>
     </p:extLst>
   </p:cSld>
@@ -3476,7 +3482,7 @@
           <a:p>
             <a:fld id="{07662873-44EE-4748-ADB0-0E8B8F7F1F96}" type="datetime1">
               <a:rPr lang="en-US" smtClean="0"/>
-              <a:t>8/29/2019</a:t>
+              <a:t>10/16/2019</a:t>
             </a:fld>
             <a:endParaRPr lang="en-US" dirty="0"/>
           </a:p>
@@ -3647,7 +3653,7 @@
           <a:p>
             <a:fld id="{C3756023-925C-4F2B-B6B3-9EB3E5E0D7A4}" type="datetime1">
               <a:rPr lang="en-US" smtClean="0"/>
-              <a:t>8/29/2019</a:t>
+              <a:t>10/16/2019</a:t>
             </a:fld>
             <a:endParaRPr lang="en-US" dirty="0"/>
           </a:p>
@@ -3828,7 +3834,7 @@
           <a:p>
             <a:fld id="{7E0411BD-1278-456A-889F-57EF6CDD3B56}" type="datetime1">
               <a:rPr lang="en-US" smtClean="0"/>
-              <a:t>8/29/2019</a:t>
+              <a:t>10/16/2019</a:t>
             </a:fld>
             <a:endParaRPr lang="en-US" dirty="0"/>
           </a:p>
@@ -3999,7 +4005,7 @@
           <a:p>
             <a:fld id="{8AA5CEDD-260B-4470-B2E2-F5757872A802}" type="datetime1">
               <a:rPr lang="en-US" smtClean="0"/>
-              <a:t>8/29/2019</a:t>
+              <a:t>10/16/2019</a:t>
             </a:fld>
             <a:endParaRPr lang="en-US" dirty="0"/>
           </a:p>
@@ -4246,7 +4252,7 @@
           <a:p>
             <a:fld id="{14A5764D-D429-4A9D-A9CE-4503B4B062C2}" type="datetime1">
               <a:rPr lang="en-US" smtClean="0"/>
-              <a:t>8/29/2019</a:t>
+              <a:t>10/16/2019</a:t>
             </a:fld>
             <a:endParaRPr lang="en-US" dirty="0"/>
           </a:p>
@@ -4535,7 +4541,7 @@
           <a:p>
             <a:fld id="{8DA9EC38-DF51-4692-B41E-04BF8B29FFDF}" type="datetime1">
               <a:rPr lang="en-US" smtClean="0"/>
-              <a:t>8/29/2019</a:t>
+              <a:t>10/16/2019</a:t>
             </a:fld>
             <a:endParaRPr lang="en-US" dirty="0"/>
           </a:p>
@@ -4958,7 +4964,7 @@
           <a:p>
             <a:fld id="{44D220BA-6F8B-4170-AF9A-B0054695113B}" type="datetime1">
               <a:rPr lang="en-US" smtClean="0"/>
-              <a:t>8/29/2019</a:t>
+              <a:t>10/16/2019</a:t>
             </a:fld>
             <a:endParaRPr lang="en-US" dirty="0"/>
           </a:p>
@@ -5077,7 +5083,7 @@
           <a:p>
             <a:fld id="{A46FC9B1-C4F2-482F-B490-D8102A4BA46F}" type="datetime1">
               <a:rPr lang="en-US" smtClean="0"/>
-              <a:t>8/29/2019</a:t>
+              <a:t>10/16/2019</a:t>
             </a:fld>
             <a:endParaRPr lang="en-US" dirty="0"/>
           </a:p>
@@ -5173,7 +5179,7 @@
           <a:p>
             <a:fld id="{78BBEA3A-88FF-4003-915F-34166F7D514F}" type="datetime1">
               <a:rPr lang="en-US" smtClean="0"/>
-              <a:t>8/29/2019</a:t>
+              <a:t>10/16/2019</a:t>
             </a:fld>
             <a:endParaRPr lang="en-US" dirty="0"/>
           </a:p>
@@ -5451,7 +5457,7 @@
           <a:p>
             <a:fld id="{1CA9225C-1891-479F-96F5-008AF0986058}" type="datetime1">
               <a:rPr lang="en-US" smtClean="0"/>
-              <a:t>8/29/2019</a:t>
+              <a:t>10/16/2019</a:t>
             </a:fld>
             <a:endParaRPr lang="en-US" dirty="0"/>
           </a:p>
@@ -5705,7 +5711,7 @@
           <a:p>
             <a:fld id="{FAD03492-B204-4631-A5EC-09826AAEC9BD}" type="datetime1">
               <a:rPr lang="en-US" smtClean="0"/>
-              <a:t>8/29/2019</a:t>
+              <a:t>10/16/2019</a:t>
             </a:fld>
             <a:endParaRPr lang="en-US" dirty="0"/>
           </a:p>
@@ -5919,7 +5925,7 @@
           <a:p>
             <a:fld id="{40458046-1F56-46DB-A2AE-6A3D272F41AC}" type="datetime1">
               <a:rPr lang="en-US" smtClean="0"/>
-              <a:t>8/29/2019</a:t>
+              <a:t>10/16/2019</a:t>
             </a:fld>
             <a:endParaRPr lang="en-US" dirty="0"/>
           </a:p>
@@ -6612,7 +6618,7 @@
         </p:nvSpPr>
         <p:spPr>
           <a:xfrm>
-            <a:off x="304801" y="208792"/>
+            <a:off x="457200" y="533400"/>
             <a:ext cx="8305800" cy="707886"/>
           </a:xfrm>
           <a:prstGeom prst="rect">
@@ -6635,13 +6641,19 @@
       </p:sp>
       <p:sp>
         <p:nvSpPr>
-          <p:cNvPr id="7" name="Rectangle 6"/>
+          <p:cNvPr id="11" name="Rectangle 10">
+            <a:extLst>
+              <a:ext uri="{FF2B5EF4-FFF2-40B4-BE49-F238E27FC236}">
+                <a16:creationId xmlns:a16="http://schemas.microsoft.com/office/drawing/2014/main" id="{227A08FC-A6FE-4111-920F-B1D4D346D42E}"/>
+              </a:ext>
+            </a:extLst>
+          </p:cNvPr>
           <p:cNvSpPr/>
           <p:nvPr/>
         </p:nvSpPr>
         <p:spPr>
           <a:xfrm>
-            <a:off x="419100" y="1143000"/>
+            <a:off x="419100" y="1447800"/>
             <a:ext cx="8305800" cy="3046988"/>
           </a:xfrm>
           <a:prstGeom prst="rect">
@@ -6715,57 +6727,10 @@
           </a:p>
         </p:txBody>
       </p:sp>
-      <p:pic>
-        <p:nvPicPr>
-          <p:cNvPr id="1026" name="Picture 2">
-            <a:extLst>
-              <a:ext uri="{FF2B5EF4-FFF2-40B4-BE49-F238E27FC236}">
-                <a16:creationId xmlns:a16="http://schemas.microsoft.com/office/drawing/2014/main" id="{76D9AF84-B924-4F88-9C2C-50C2FC3341C4}"/>
-              </a:ext>
-            </a:extLst>
-          </p:cNvPr>
-          <p:cNvPicPr>
-            <a:picLocks noChangeAspect="1" noChangeArrowheads="1"/>
-          </p:cNvPicPr>
-          <p:nvPr/>
-        </p:nvPicPr>
-        <p:blipFill>
-          <a:blip r:embed="rId3">
-            <a:extLst>
-              <a:ext uri="{28A0092B-C50C-407E-A947-70E740481C1C}">
-                <a14:useLocalDpi xmlns:a14="http://schemas.microsoft.com/office/drawing/2010/main" val="0"/>
-              </a:ext>
-            </a:extLst>
-          </a:blip>
-          <a:srcRect/>
-          <a:stretch>
-            <a:fillRect/>
-          </a:stretch>
-        </p:blipFill>
-        <p:spPr bwMode="auto">
-          <a:xfrm>
-            <a:off x="2514600" y="3960882"/>
-            <a:ext cx="3086100" cy="1476375"/>
-          </a:xfrm>
-          <a:prstGeom prst="rect">
-            <a:avLst/>
-          </a:prstGeom>
-          <a:noFill/>
-          <a:extLst>
-            <a:ext uri="{909E8E84-426E-40DD-AFC4-6F175D3DCCD1}">
-              <a14:hiddenFill xmlns:a14="http://schemas.microsoft.com/office/drawing/2010/main">
-                <a:solidFill>
-                  <a:srgbClr val="FFFFFF"/>
-                </a:solidFill>
-              </a14:hiddenFill>
-            </a:ext>
-          </a:extLst>
-        </p:spPr>
-      </p:pic>
     </p:spTree>
     <p:extLst>
       <p:ext uri="{BB962C8B-B14F-4D97-AF65-F5344CB8AC3E}">
-        <p14:creationId xmlns:p14="http://schemas.microsoft.com/office/powerpoint/2010/main" val="678979592"/>
+        <p14:creationId xmlns:p14="http://schemas.microsoft.com/office/powerpoint/2010/main" val="966394148"/>
       </p:ext>
     </p:extLst>
   </p:cSld>
@@ -11355,7 +11320,7 @@
         </p:nvSpPr>
         <p:spPr>
           <a:xfrm>
-            <a:off x="304801" y="208792"/>
+            <a:off x="457200" y="533400"/>
             <a:ext cx="8305800" cy="707886"/>
           </a:xfrm>
           <a:prstGeom prst="rect">
@@ -11378,13 +11343,64 @@
       </p:sp>
       <p:sp>
         <p:nvSpPr>
-          <p:cNvPr id="7" name="Rectangle 6"/>
+          <p:cNvPr id="4" name="AutoShape 2">
+            <a:extLst>
+              <a:ext uri="{FF2B5EF4-FFF2-40B4-BE49-F238E27FC236}">
+                <a16:creationId xmlns:a16="http://schemas.microsoft.com/office/drawing/2014/main" id="{776EFC8D-4D85-49E7-B152-9540A0D37BBF}"/>
+              </a:ext>
+            </a:extLst>
+          </p:cNvPr>
+          <p:cNvSpPr>
+            <a:spLocks noChangeAspect="1" noChangeArrowheads="1"/>
+          </p:cNvSpPr>
+          <p:nvPr/>
+        </p:nvSpPr>
+        <p:spPr bwMode="auto">
+          <a:xfrm>
+            <a:off x="4419600" y="3276600"/>
+            <a:ext cx="1752600" cy="1752600"/>
+          </a:xfrm>
+          <a:prstGeom prst="rect">
+            <a:avLst/>
+          </a:prstGeom>
+          <a:noFill/>
+          <a:extLst>
+            <a:ext uri="{909E8E84-426E-40DD-AFC4-6F175D3DCCD1}">
+              <a14:hiddenFill xmlns:a14="http://schemas.microsoft.com/office/drawing/2010/main">
+                <a:solidFill>
+                  <a:srgbClr val="FFFFFF"/>
+                </a:solidFill>
+              </a14:hiddenFill>
+            </a:ext>
+          </a:extLst>
+        </p:spPr>
+        <p:txBody>
+          <a:bodyPr vert="horz" wrap="square" lIns="91440" tIns="45720" rIns="91440" bIns="45720" numCol="1" anchor="t" anchorCtr="0" compatLnSpc="1">
+            <a:prstTxWarp prst="textNoShape">
+              <a:avLst/>
+            </a:prstTxWarp>
+          </a:bodyPr>
+          <a:lstStyle/>
+          <a:p>
+            <a:endParaRPr lang="en-US"/>
+          </a:p>
+        </p:txBody>
+      </p:sp>
+      <p:sp>
+        <p:nvSpPr>
+          <p:cNvPr id="8" name="Rectangle 7">
+            <a:extLst>
+              <a:ext uri="{FF2B5EF4-FFF2-40B4-BE49-F238E27FC236}">
+                <a16:creationId xmlns:a16="http://schemas.microsoft.com/office/drawing/2014/main" id="{DA37CE5C-6AD0-470D-83E6-DBCD3C375B61}"/>
+              </a:ext>
+            </a:extLst>
+          </p:cNvPr>
           <p:cNvSpPr/>
           <p:nvPr/>
         </p:nvSpPr>
         <p:spPr>
           <a:xfrm>
-            <a:off x="419100" y="1143000"/>
+            <a:off x="479234" y="1241286"/>
             <a:ext cx="8305800" cy="4154984"/>
           </a:xfrm>
           <a:prstGeom prst="rect">
@@ -11557,10 +11573,10 @@
       </p:sp>
       <p:pic>
         <p:nvPicPr>
-          <p:cNvPr id="2" name="Picture 1">
+          <p:cNvPr id="9" name="Picture 8">
             <a:extLst>
               <a:ext uri="{FF2B5EF4-FFF2-40B4-BE49-F238E27FC236}">
-                <a16:creationId xmlns:a16="http://schemas.microsoft.com/office/drawing/2014/main" id="{318D3323-8886-48B3-AA27-DB451CB34DFF}"/>
+                <a16:creationId xmlns:a16="http://schemas.microsoft.com/office/drawing/2014/main" id="{88AF4093-95C8-4848-9BB8-C3E922B22B7C}"/>
               </a:ext>
             </a:extLst>
           </p:cNvPr>
@@ -11577,8 +11593,8 @@
         </p:blipFill>
         <p:spPr>
           <a:xfrm>
-            <a:off x="457200" y="3834186"/>
-            <a:ext cx="4343400" cy="2534886"/>
+            <a:off x="685800" y="4012072"/>
+            <a:ext cx="3962400" cy="2312528"/>
           </a:xfrm>
           <a:prstGeom prst="rect">
             <a:avLst/>
@@ -11588,7 +11604,7 @@
     </p:spTree>
     <p:extLst>
       <p:ext uri="{BB962C8B-B14F-4D97-AF65-F5344CB8AC3E}">
-        <p14:creationId xmlns:p14="http://schemas.microsoft.com/office/powerpoint/2010/main" val="3814869651"/>
+        <p14:creationId xmlns:p14="http://schemas.microsoft.com/office/powerpoint/2010/main" val="1739026089"/>
       </p:ext>
     </p:extLst>
   </p:cSld>
@@ -11664,7 +11680,7 @@
         </p:nvSpPr>
         <p:spPr>
           <a:xfrm>
-            <a:off x="304801" y="208792"/>
+            <a:off x="457200" y="533400"/>
             <a:ext cx="8305800" cy="707886"/>
           </a:xfrm>
           <a:prstGeom prst="rect">
@@ -11687,13 +11703,64 @@
       </p:sp>
       <p:sp>
         <p:nvSpPr>
-          <p:cNvPr id="7" name="Rectangle 6"/>
+          <p:cNvPr id="4" name="AutoShape 2">
+            <a:extLst>
+              <a:ext uri="{FF2B5EF4-FFF2-40B4-BE49-F238E27FC236}">
+                <a16:creationId xmlns:a16="http://schemas.microsoft.com/office/drawing/2014/main" id="{776EFC8D-4D85-49E7-B152-9540A0D37BBF}"/>
+              </a:ext>
+            </a:extLst>
+          </p:cNvPr>
+          <p:cNvSpPr>
+            <a:spLocks noChangeAspect="1" noChangeArrowheads="1"/>
+          </p:cNvSpPr>
+          <p:nvPr/>
+        </p:nvSpPr>
+        <p:spPr bwMode="auto">
+          <a:xfrm>
+            <a:off x="4419600" y="3276600"/>
+            <a:ext cx="1752600" cy="1752600"/>
+          </a:xfrm>
+          <a:prstGeom prst="rect">
+            <a:avLst/>
+          </a:prstGeom>
+          <a:noFill/>
+          <a:extLst>
+            <a:ext uri="{909E8E84-426E-40DD-AFC4-6F175D3DCCD1}">
+              <a14:hiddenFill xmlns:a14="http://schemas.microsoft.com/office/drawing/2010/main">
+                <a:solidFill>
+                  <a:srgbClr val="FFFFFF"/>
+                </a:solidFill>
+              </a14:hiddenFill>
+            </a:ext>
+          </a:extLst>
+        </p:spPr>
+        <p:txBody>
+          <a:bodyPr vert="horz" wrap="square" lIns="91440" tIns="45720" rIns="91440" bIns="45720" numCol="1" anchor="t" anchorCtr="0" compatLnSpc="1">
+            <a:prstTxWarp prst="textNoShape">
+              <a:avLst/>
+            </a:prstTxWarp>
+          </a:bodyPr>
+          <a:lstStyle/>
+          <a:p>
+            <a:endParaRPr lang="en-US"/>
+          </a:p>
+        </p:txBody>
+      </p:sp>
+      <p:sp>
+        <p:nvSpPr>
+          <p:cNvPr id="7" name="Rectangle 6">
+            <a:extLst>
+              <a:ext uri="{FF2B5EF4-FFF2-40B4-BE49-F238E27FC236}">
+                <a16:creationId xmlns:a16="http://schemas.microsoft.com/office/drawing/2014/main" id="{6551ED7C-C612-4F81-9164-3A136B1B6003}"/>
+              </a:ext>
+            </a:extLst>
+          </p:cNvPr>
           <p:cNvSpPr/>
           <p:nvPr/>
         </p:nvSpPr>
         <p:spPr>
           <a:xfrm>
-            <a:off x="419100" y="1143000"/>
+            <a:off x="419100" y="1371600"/>
             <a:ext cx="8305800" cy="3046988"/>
           </a:xfrm>
           <a:prstGeom prst="rect">
@@ -11826,10 +11893,10 @@
       </p:sp>
       <p:pic>
         <p:nvPicPr>
-          <p:cNvPr id="3" name="Picture 2">
+          <p:cNvPr id="10" name="Picture 9">
             <a:extLst>
               <a:ext uri="{FF2B5EF4-FFF2-40B4-BE49-F238E27FC236}">
-                <a16:creationId xmlns:a16="http://schemas.microsoft.com/office/drawing/2014/main" id="{93EC79B4-503D-4C4F-8F3A-99EF7202E811}"/>
+                <a16:creationId xmlns:a16="http://schemas.microsoft.com/office/drawing/2014/main" id="{67354AF8-2C9E-4AEC-BEE2-49BFD12FB192}"/>
               </a:ext>
             </a:extLst>
           </p:cNvPr>
@@ -11846,7 +11913,7 @@
         </p:blipFill>
         <p:spPr>
           <a:xfrm>
-            <a:off x="533400" y="3276600"/>
+            <a:off x="533400" y="3505200"/>
             <a:ext cx="5515828" cy="1711321"/>
           </a:xfrm>
           <a:prstGeom prst="rect">
@@ -11856,10 +11923,10 @@
       </p:pic>
       <p:pic>
         <p:nvPicPr>
-          <p:cNvPr id="5" name="Picture 4">
+          <p:cNvPr id="11" name="Picture 10">
             <a:extLst>
               <a:ext uri="{FF2B5EF4-FFF2-40B4-BE49-F238E27FC236}">
-                <a16:creationId xmlns:a16="http://schemas.microsoft.com/office/drawing/2014/main" id="{215E24EA-EAA2-4462-9AF0-88022499E0C7}"/>
+                <a16:creationId xmlns:a16="http://schemas.microsoft.com/office/drawing/2014/main" id="{C3770D44-F3C0-4CEB-AFFA-EDE9D0AB42FB}"/>
               </a:ext>
             </a:extLst>
           </p:cNvPr>
@@ -11876,7 +11943,7 @@
         </p:blipFill>
         <p:spPr>
           <a:xfrm>
-            <a:off x="6671691" y="1594931"/>
+            <a:off x="6671691" y="1823531"/>
             <a:ext cx="2143125" cy="2143125"/>
           </a:xfrm>
           <a:prstGeom prst="rect">
@@ -11887,7 +11954,7 @@
     </p:spTree>
     <p:extLst>
       <p:ext uri="{BB962C8B-B14F-4D97-AF65-F5344CB8AC3E}">
-        <p14:creationId xmlns:p14="http://schemas.microsoft.com/office/powerpoint/2010/main" val="2786874277"/>
+        <p14:creationId xmlns:p14="http://schemas.microsoft.com/office/powerpoint/2010/main" val="3535699429"/>
       </p:ext>
     </p:extLst>
   </p:cSld>
@@ -11963,7 +12030,7 @@
         </p:nvSpPr>
         <p:spPr>
           <a:xfrm>
-            <a:off x="304801" y="208792"/>
+            <a:off x="457200" y="533400"/>
             <a:ext cx="8305800" cy="707886"/>
           </a:xfrm>
           <a:prstGeom prst="rect">
@@ -11986,121 +12053,55 @@
       </p:sp>
       <p:sp>
         <p:nvSpPr>
-          <p:cNvPr id="7" name="Rectangle 6"/>
-          <p:cNvSpPr/>
+          <p:cNvPr id="4" name="AutoShape 2">
+            <a:extLst>
+              <a:ext uri="{FF2B5EF4-FFF2-40B4-BE49-F238E27FC236}">
+                <a16:creationId xmlns:a16="http://schemas.microsoft.com/office/drawing/2014/main" id="{776EFC8D-4D85-49E7-B152-9540A0D37BBF}"/>
+              </a:ext>
+            </a:extLst>
+          </p:cNvPr>
+          <p:cNvSpPr>
+            <a:spLocks noChangeAspect="1" noChangeArrowheads="1"/>
+          </p:cNvSpPr>
           <p:nvPr/>
         </p:nvSpPr>
-        <p:spPr>
+        <p:spPr bwMode="auto">
           <a:xfrm>
-            <a:off x="419100" y="1143000"/>
-            <a:ext cx="8305800" cy="4893647"/>
+            <a:off x="4419600" y="3276600"/>
+            <a:ext cx="1752600" cy="1752600"/>
           </a:xfrm>
           <a:prstGeom prst="rect">
             <a:avLst/>
           </a:prstGeom>
-        </p:spPr>
-        <p:txBody>
-          <a:bodyPr wrap="square">
-            <a:spAutoFit/>
+          <a:noFill/>
+          <a:extLst>
+            <a:ext uri="{909E8E84-426E-40DD-AFC4-6F175D3DCCD1}">
+              <a14:hiddenFill xmlns:a14="http://schemas.microsoft.com/office/drawing/2010/main">
+                <a:solidFill>
+                  <a:srgbClr val="FFFFFF"/>
+                </a:solidFill>
+              </a14:hiddenFill>
+            </a:ext>
+          </a:extLst>
+        </p:spPr>
+        <p:txBody>
+          <a:bodyPr vert="horz" wrap="square" lIns="91440" tIns="45720" rIns="91440" bIns="45720" numCol="1" anchor="t" anchorCtr="0" compatLnSpc="1">
+            <a:prstTxWarp prst="textNoShape">
+              <a:avLst/>
+            </a:prstTxWarp>
           </a:bodyPr>
           <a:lstStyle/>
           <a:p>
-            <a:pPr marL="342900" indent="-342900">
-              <a:buFont typeface="Arial" panose="020B0604020202020204" pitchFamily="34" charset="0"/>
-              <a:buChar char="•"/>
-            </a:pPr>
-            <a:r>
-              <a:rPr lang="en-US" sz="2400" dirty="0"/>
-              <a:t>Iterate through the list below and print if the</a:t>
-            </a:r>
-          </a:p>
-          <a:p>
-            <a:r>
-              <a:rPr lang="en-US" sz="2400" dirty="0"/>
-              <a:t> element is even or odd</a:t>
-            </a:r>
-          </a:p>
-          <a:p>
-            <a:pPr lvl="1"/>
-            <a:r>
-              <a:rPr lang="en-US" sz="2400" dirty="0" err="1">
-                <a:solidFill>
-                  <a:schemeClr val="tx2"/>
-                </a:solidFill>
-              </a:rPr>
-              <a:t>my_list</a:t>
-            </a:r>
-            <a:r>
-              <a:rPr lang="en-US" sz="2400" dirty="0">
-                <a:solidFill>
-                  <a:schemeClr val="tx2"/>
-                </a:solidFill>
-              </a:rPr>
-              <a:t>=[1,2,3,4,5,6,7,8,9,10]</a:t>
-            </a:r>
-          </a:p>
-          <a:p>
-            <a:r>
-              <a:rPr lang="en-US" sz="2400" dirty="0"/>
-              <a:t>	</a:t>
-            </a:r>
-          </a:p>
-          <a:p>
-            <a:r>
-              <a:rPr lang="en-US" sz="2400" dirty="0"/>
-              <a:t>Expected output:</a:t>
-            </a:r>
-          </a:p>
-          <a:p>
-            <a:endParaRPr lang="en-US" sz="2400" dirty="0"/>
-          </a:p>
-          <a:p>
-            <a:r>
-              <a:rPr lang="en-US" sz="2400" dirty="0"/>
-              <a:t>	1 – odd</a:t>
-            </a:r>
-          </a:p>
-          <a:p>
-            <a:r>
-              <a:rPr lang="en-US" sz="2400" dirty="0"/>
-              <a:t>	2 – even</a:t>
-            </a:r>
-          </a:p>
-          <a:p>
-            <a:r>
-              <a:rPr lang="en-US" sz="2400" dirty="0"/>
-              <a:t>	3 – odd</a:t>
-            </a:r>
-          </a:p>
-          <a:p>
-            <a:r>
-              <a:rPr lang="en-US" sz="2400" dirty="0"/>
-              <a:t>	…</a:t>
-            </a:r>
-          </a:p>
-          <a:p>
-            <a:r>
-              <a:rPr lang="en-US" sz="2400" dirty="0"/>
-              <a:t>	…</a:t>
-            </a:r>
-          </a:p>
-          <a:p>
-            <a:r>
-              <a:rPr lang="en-US" sz="2400" dirty="0"/>
-              <a:t>	</a:t>
-            </a:r>
-          </a:p>
-          <a:p>
-            <a:endParaRPr lang="en-US" sz="2400" dirty="0"/>
+            <a:endParaRPr lang="en-US"/>
           </a:p>
         </p:txBody>
       </p:sp>
       <p:pic>
         <p:nvPicPr>
-          <p:cNvPr id="4098" name="Picture 2" descr="Related image">
+          <p:cNvPr id="8" name="Picture 2" descr="Related image">
             <a:extLst>
               <a:ext uri="{FF2B5EF4-FFF2-40B4-BE49-F238E27FC236}">
-                <a16:creationId xmlns:a16="http://schemas.microsoft.com/office/drawing/2014/main" id="{8323085D-7999-4A74-90FC-6401279604BF}"/>
+                <a16:creationId xmlns:a16="http://schemas.microsoft.com/office/drawing/2014/main" id="{1689B76C-BB8D-414E-9586-3C0B002E4B4A}"/>
               </a:ext>
             </a:extLst>
           </p:cNvPr>
@@ -12124,7 +12125,7 @@
         </p:blipFill>
         <p:spPr bwMode="auto">
           <a:xfrm>
-            <a:off x="6625277" y="-34308"/>
+            <a:off x="6616941" y="228600"/>
             <a:ext cx="1967036" cy="1711321"/>
           </a:xfrm>
           <a:prstGeom prst="rect">
@@ -12142,10 +12143,127 @@
           </a:extLst>
         </p:spPr>
       </p:pic>
+      <p:sp>
+        <p:nvSpPr>
+          <p:cNvPr id="9" name="Rectangle 8">
+            <a:extLst>
+              <a:ext uri="{FF2B5EF4-FFF2-40B4-BE49-F238E27FC236}">
+                <a16:creationId xmlns:a16="http://schemas.microsoft.com/office/drawing/2014/main" id="{25BD0589-A6B3-4CAA-B108-5E98259B7BB8}"/>
+              </a:ext>
+            </a:extLst>
+          </p:cNvPr>
+          <p:cNvSpPr/>
+          <p:nvPr/>
+        </p:nvSpPr>
+        <p:spPr>
+          <a:xfrm>
+            <a:off x="492087" y="1428199"/>
+            <a:ext cx="8305800" cy="4893647"/>
+          </a:xfrm>
+          <a:prstGeom prst="rect">
+            <a:avLst/>
+          </a:prstGeom>
+        </p:spPr>
+        <p:txBody>
+          <a:bodyPr wrap="square">
+            <a:spAutoFit/>
+          </a:bodyPr>
+          <a:lstStyle/>
+          <a:p>
+            <a:pPr marL="342900" indent="-342900">
+              <a:buFont typeface="Arial" panose="020B0604020202020204" pitchFamily="34" charset="0"/>
+              <a:buChar char="•"/>
+            </a:pPr>
+            <a:r>
+              <a:rPr lang="en-US" sz="2400" dirty="0"/>
+              <a:t>Iterate through the list below and print if the</a:t>
+            </a:r>
+          </a:p>
+          <a:p>
+            <a:r>
+              <a:rPr lang="en-US" sz="2400" dirty="0"/>
+              <a:t> element is even or odd</a:t>
+            </a:r>
+          </a:p>
+          <a:p>
+            <a:pPr lvl="1"/>
+            <a:r>
+              <a:rPr lang="en-US" sz="2400" dirty="0" err="1">
+                <a:solidFill>
+                  <a:schemeClr val="tx2"/>
+                </a:solidFill>
+              </a:rPr>
+              <a:t>my_list</a:t>
+            </a:r>
+            <a:r>
+              <a:rPr lang="en-US" sz="2400" dirty="0">
+                <a:solidFill>
+                  <a:schemeClr val="tx2"/>
+                </a:solidFill>
+              </a:rPr>
+              <a:t>=[1,2,3,4,5,6,7,8,9,10]</a:t>
+            </a:r>
+          </a:p>
+          <a:p>
+            <a:r>
+              <a:rPr lang="en-US" sz="2400" dirty="0"/>
+              <a:t>	</a:t>
+            </a:r>
+          </a:p>
+          <a:p>
+            <a:r>
+              <a:rPr lang="en-US" sz="2400" dirty="0"/>
+              <a:t>Expected output:</a:t>
+            </a:r>
+          </a:p>
+          <a:p>
+            <a:endParaRPr lang="en-US" sz="2400" dirty="0"/>
+          </a:p>
+          <a:p>
+            <a:r>
+              <a:rPr lang="en-US" sz="2400" dirty="0"/>
+              <a:t>	1 – odd</a:t>
+            </a:r>
+          </a:p>
+          <a:p>
+            <a:r>
+              <a:rPr lang="en-US" sz="2400" dirty="0"/>
+              <a:t>	2 – even</a:t>
+            </a:r>
+          </a:p>
+          <a:p>
+            <a:r>
+              <a:rPr lang="en-US" sz="2400" dirty="0"/>
+              <a:t>	3 – odd</a:t>
+            </a:r>
+          </a:p>
+          <a:p>
+            <a:r>
+              <a:rPr lang="en-US" sz="2400" dirty="0"/>
+              <a:t>	…</a:t>
+            </a:r>
+          </a:p>
+          <a:p>
+            <a:r>
+              <a:rPr lang="en-US" sz="2400" dirty="0"/>
+              <a:t>	…</a:t>
+            </a:r>
+          </a:p>
+          <a:p>
+            <a:r>
+              <a:rPr lang="en-US" sz="2400" dirty="0"/>
+              <a:t>	</a:t>
+            </a:r>
+          </a:p>
+          <a:p>
+            <a:endParaRPr lang="en-US" sz="2400" dirty="0"/>
+          </a:p>
+        </p:txBody>
+      </p:sp>
     </p:spTree>
     <p:extLst>
       <p:ext uri="{BB962C8B-B14F-4D97-AF65-F5344CB8AC3E}">
-        <p14:creationId xmlns:p14="http://schemas.microsoft.com/office/powerpoint/2010/main" val="3548785852"/>
+        <p14:creationId xmlns:p14="http://schemas.microsoft.com/office/powerpoint/2010/main" val="996762241"/>
       </p:ext>
     </p:extLst>
   </p:cSld>
